--- a/Virtual Whiteboard.pptx
+++ b/Virtual Whiteboard.pptx
@@ -314,7 +314,7 @@
           <a:p>
             <a:fld id="{53428805-C8A5-48C2-84F8-92B75282D75E}" type="datetimeFigureOut">
               <a:rPr lang="en-US" smtClean="0"/>
-              <a:t>12/7/2014</a:t>
+              <a:t>12/9/2014</a:t>
             </a:fld>
             <a:endParaRPr lang="en-US"/>
           </a:p>
@@ -604,7 +604,7 @@
           <a:p>
             <a:fld id="{53428805-C8A5-48C2-84F8-92B75282D75E}" type="datetimeFigureOut">
               <a:rPr lang="en-US" smtClean="0"/>
-              <a:t>12/7/2014</a:t>
+              <a:t>12/9/2014</a:t>
             </a:fld>
             <a:endParaRPr lang="en-US"/>
           </a:p>
@@ -784,7 +784,7 @@
           <a:p>
             <a:fld id="{53428805-C8A5-48C2-84F8-92B75282D75E}" type="datetimeFigureOut">
               <a:rPr lang="en-US" smtClean="0"/>
-              <a:t>12/7/2014</a:t>
+              <a:t>12/9/2014</a:t>
             </a:fld>
             <a:endParaRPr lang="en-US"/>
           </a:p>
@@ -954,7 +954,7 @@
           <a:p>
             <a:fld id="{53428805-C8A5-48C2-84F8-92B75282D75E}" type="datetimeFigureOut">
               <a:rPr lang="en-US" smtClean="0"/>
-              <a:t>12/7/2014</a:t>
+              <a:t>12/9/2014</a:t>
             </a:fld>
             <a:endParaRPr lang="en-US"/>
           </a:p>
@@ -1200,7 +1200,7 @@
           <a:p>
             <a:fld id="{53428805-C8A5-48C2-84F8-92B75282D75E}" type="datetimeFigureOut">
               <a:rPr lang="en-US" smtClean="0"/>
-              <a:t>12/7/2014</a:t>
+              <a:t>12/9/2014</a:t>
             </a:fld>
             <a:endParaRPr lang="en-US"/>
           </a:p>
@@ -1432,7 +1432,7 @@
           <a:p>
             <a:fld id="{53428805-C8A5-48C2-84F8-92B75282D75E}" type="datetimeFigureOut">
               <a:rPr lang="en-US" smtClean="0"/>
-              <a:t>12/7/2014</a:t>
+              <a:t>12/9/2014</a:t>
             </a:fld>
             <a:endParaRPr lang="en-US"/>
           </a:p>
@@ -1799,7 +1799,7 @@
           <a:p>
             <a:fld id="{53428805-C8A5-48C2-84F8-92B75282D75E}" type="datetimeFigureOut">
               <a:rPr lang="en-US" smtClean="0"/>
-              <a:t>12/7/2014</a:t>
+              <a:t>12/9/2014</a:t>
             </a:fld>
             <a:endParaRPr lang="en-US"/>
           </a:p>
@@ -1917,7 +1917,7 @@
           <a:p>
             <a:fld id="{53428805-C8A5-48C2-84F8-92B75282D75E}" type="datetimeFigureOut">
               <a:rPr lang="en-US" smtClean="0"/>
-              <a:t>12/7/2014</a:t>
+              <a:t>12/9/2014</a:t>
             </a:fld>
             <a:endParaRPr lang="en-US"/>
           </a:p>
@@ -2012,7 +2012,7 @@
           <a:p>
             <a:fld id="{53428805-C8A5-48C2-84F8-92B75282D75E}" type="datetimeFigureOut">
               <a:rPr lang="en-US" smtClean="0"/>
-              <a:t>12/7/2014</a:t>
+              <a:t>12/9/2014</a:t>
             </a:fld>
             <a:endParaRPr lang="en-US"/>
           </a:p>
@@ -2289,7 +2289,7 @@
           <a:p>
             <a:fld id="{53428805-C8A5-48C2-84F8-92B75282D75E}" type="datetimeFigureOut">
               <a:rPr lang="en-US" smtClean="0"/>
-              <a:t>12/7/2014</a:t>
+              <a:t>12/9/2014</a:t>
             </a:fld>
             <a:endParaRPr lang="en-US"/>
           </a:p>
@@ -2542,7 +2542,7 @@
           <a:p>
             <a:fld id="{53428805-C8A5-48C2-84F8-92B75282D75E}" type="datetimeFigureOut">
               <a:rPr lang="en-US" smtClean="0"/>
-              <a:t>12/7/2014</a:t>
+              <a:t>12/9/2014</a:t>
             </a:fld>
             <a:endParaRPr lang="en-US"/>
           </a:p>
@@ -2755,7 +2755,7 @@
           <a:p>
             <a:fld id="{53428805-C8A5-48C2-84F8-92B75282D75E}" type="datetimeFigureOut">
               <a:rPr lang="en-US" smtClean="0"/>
-              <a:t>12/7/2014</a:t>
+              <a:t>12/9/2014</a:t>
             </a:fld>
             <a:endParaRPr lang="en-US"/>
           </a:p>
@@ -8059,7 +8059,7 @@
         <p:spPr/>
         <p:txBody>
           <a:bodyPr>
-            <a:normAutofit/>
+            <a:normAutofit lnSpcReduction="10000"/>
           </a:bodyPr>
           <a:lstStyle/>
           <a:p>
@@ -8084,6 +8084,13 @@
           </a:p>
           <a:p>
             <a:r>
+              <a:rPr lang="en-US" dirty="0" err="1" smtClean="0"/>
+              <a:t>Redis</a:t>
+            </a:r>
+            <a:endParaRPr lang="en-US" dirty="0" smtClean="0"/>
+          </a:p>
+          <a:p>
+            <a:r>
               <a:rPr lang="en-US" dirty="0"/>
               <a:t>Java REST </a:t>
             </a:r>
@@ -8094,6 +8101,28 @@
           </a:p>
           <a:p>
             <a:r>
+              <a:rPr lang="en-US"/>
+              <a:t>Tomcat servers</a:t>
+            </a:r>
+            <a:endParaRPr lang="en-US" dirty="0" smtClean="0"/>
+          </a:p>
+          <a:p>
+            <a:r>
+              <a:rPr lang="en-US" dirty="0" err="1"/>
+              <a:t>Nginx</a:t>
+            </a:r>
+            <a:r>
+              <a:rPr lang="en-US" dirty="0"/>
+              <a:t> load </a:t>
+            </a:r>
+            <a:r>
+              <a:rPr lang="en-US" dirty="0" smtClean="0"/>
+              <a:t>balancer</a:t>
+            </a:r>
+            <a:endParaRPr lang="en-US" dirty="0" smtClean="0"/>
+          </a:p>
+          <a:p>
+            <a:r>
               <a:rPr lang="en-US" dirty="0" err="1"/>
               <a:t>NodeJS</a:t>
             </a:r>
@@ -8105,27 +8134,6 @@
               <a:rPr lang="en-US" dirty="0" smtClean="0"/>
               <a:t>balancer</a:t>
             </a:r>
-          </a:p>
-          <a:p>
-            <a:r>
-              <a:rPr lang="en-US" dirty="0" err="1"/>
-              <a:t>Nginx</a:t>
-            </a:r>
-            <a:r>
-              <a:rPr lang="en-US" dirty="0"/>
-              <a:t> load </a:t>
-            </a:r>
-            <a:r>
-              <a:rPr lang="en-US" dirty="0" smtClean="0"/>
-              <a:t>balancer</a:t>
-            </a:r>
-          </a:p>
-          <a:p>
-            <a:r>
-              <a:rPr lang="en-US" dirty="0" err="1" smtClean="0"/>
-              <a:t>Redis</a:t>
-            </a:r>
-            <a:endParaRPr lang="en-US" dirty="0" smtClean="0"/>
           </a:p>
           <a:p>
             <a:r>
